--- a/Food Banks in Northern California.pptx
+++ b/Food Banks in Northern California.pptx
@@ -139,7 +139,7 @@
 <p1510:revInfo xmlns:a="http://schemas.openxmlformats.org/drawingml/2006/main" xmlns:r="http://schemas.openxmlformats.org/officeDocument/2006/relationships" xmlns:p1510="http://schemas.microsoft.com/office/powerpoint/2015/10/main">
   <p1510:revLst>
     <p1510:client id="{3620A07F-AA87-4C98-A27A-CD4BD4853AF9}" v="11" dt="2023-05-04T06:54:37.147"/>
-    <p1510:client id="{75F86F16-2035-4BEC-9A9F-0851A1B1DD5A}" v="1543" dt="2023-05-05T00:01:50.407"/>
+    <p1510:client id="{75F86F16-2035-4BEC-9A9F-0851A1B1DD5A}" v="1761" dt="2023-05-05T00:14:22.178"/>
     <p1510:client id="{E7E00747-8FB4-4D6D-9926-93CAC55A17A5}" v="22" dt="2023-05-04T07:46:36.886"/>
   </p1510:revLst>
 </p1510:revInfo>
@@ -182,7 +182,7 @@
   <pc:docChgLst>
     <pc:chgData name="Vandrea Foronda" userId="5e2b1f115d26dc63" providerId="LiveId" clId="{75F86F16-2035-4BEC-9A9F-0851A1B1DD5A}"/>
     <pc:docChg chg="undo redo custSel addSld delSld modSld sldOrd">
-      <pc:chgData name="Vandrea Foronda" userId="5e2b1f115d26dc63" providerId="LiveId" clId="{75F86F16-2035-4BEC-9A9F-0851A1B1DD5A}" dt="2023-05-05T00:01:50.407" v="2634" actId="20577"/>
+      <pc:chgData name="Vandrea Foronda" userId="5e2b1f115d26dc63" providerId="LiveId" clId="{75F86F16-2035-4BEC-9A9F-0851A1B1DD5A}" dt="2023-05-05T00:14:22.177" v="2857" actId="20577"/>
       <pc:docMkLst>
         <pc:docMk/>
       </pc:docMkLst>
@@ -976,7 +976,7 @@
         </pc:picChg>
       </pc:sldChg>
       <pc:sldChg chg="addSp delSp modSp add mod ord modAnim">
-        <pc:chgData name="Vandrea Foronda" userId="5e2b1f115d26dc63" providerId="LiveId" clId="{75F86F16-2035-4BEC-9A9F-0851A1B1DD5A}" dt="2023-05-04T23:28:59.607" v="2439" actId="20577"/>
+        <pc:chgData name="Vandrea Foronda" userId="5e2b1f115d26dc63" providerId="LiveId" clId="{75F86F16-2035-4BEC-9A9F-0851A1B1DD5A}" dt="2023-05-05T00:14:18.362" v="2856" actId="20577"/>
         <pc:sldMkLst>
           <pc:docMk/>
           <pc:sldMk cId="923081207" sldId="294"/>
@@ -1038,7 +1038,7 @@
           </ac:spMkLst>
         </pc:spChg>
         <pc:spChg chg="add mod">
-          <ac:chgData name="Vandrea Foronda" userId="5e2b1f115d26dc63" providerId="LiveId" clId="{75F86F16-2035-4BEC-9A9F-0851A1B1DD5A}" dt="2023-05-04T23:28:45.114" v="2433" actId="20577"/>
+          <ac:chgData name="Vandrea Foronda" userId="5e2b1f115d26dc63" providerId="LiveId" clId="{75F86F16-2035-4BEC-9A9F-0851A1B1DD5A}" dt="2023-05-05T00:14:16.406" v="2855" actId="20577"/>
           <ac:spMkLst>
             <pc:docMk/>
             <pc:sldMk cId="923081207" sldId="294"/>
@@ -1046,7 +1046,7 @@
           </ac:spMkLst>
         </pc:spChg>
         <pc:spChg chg="add mod">
-          <ac:chgData name="Vandrea Foronda" userId="5e2b1f115d26dc63" providerId="LiveId" clId="{75F86F16-2035-4BEC-9A9F-0851A1B1DD5A}" dt="2023-05-04T23:28:59.607" v="2439" actId="20577"/>
+          <ac:chgData name="Vandrea Foronda" userId="5e2b1f115d26dc63" providerId="LiveId" clId="{75F86F16-2035-4BEC-9A9F-0851A1B1DD5A}" dt="2023-05-05T00:14:18.362" v="2856" actId="20577"/>
           <ac:spMkLst>
             <pc:docMk/>
             <pc:sldMk cId="923081207" sldId="294"/>
@@ -1095,7 +1095,7 @@
         </pc:picChg>
       </pc:sldChg>
       <pc:sldChg chg="addSp delSp modSp add mod ord modAnim">
-        <pc:chgData name="Vandrea Foronda" userId="5e2b1f115d26dc63" providerId="LiveId" clId="{75F86F16-2035-4BEC-9A9F-0851A1B1DD5A}" dt="2023-05-04T23:27:48.822" v="2421" actId="20577"/>
+        <pc:chgData name="Vandrea Foronda" userId="5e2b1f115d26dc63" providerId="LiveId" clId="{75F86F16-2035-4BEC-9A9F-0851A1B1DD5A}" dt="2023-05-05T00:14:22.177" v="2857" actId="20577"/>
         <pc:sldMkLst>
           <pc:docMk/>
           <pc:sldMk cId="2907426829" sldId="295"/>
@@ -1165,7 +1165,7 @@
           </ac:spMkLst>
         </pc:spChg>
         <pc:spChg chg="add mod">
-          <ac:chgData name="Vandrea Foronda" userId="5e2b1f115d26dc63" providerId="LiveId" clId="{75F86F16-2035-4BEC-9A9F-0851A1B1DD5A}" dt="2023-05-04T23:27:48.822" v="2421" actId="20577"/>
+          <ac:chgData name="Vandrea Foronda" userId="5e2b1f115d26dc63" providerId="LiveId" clId="{75F86F16-2035-4BEC-9A9F-0851A1B1DD5A}" dt="2023-05-05T00:14:22.177" v="2857" actId="20577"/>
           <ac:spMkLst>
             <pc:docMk/>
             <pc:sldMk cId="2907426829" sldId="295"/>
@@ -1364,11 +1364,27 @@
         </pc:picChg>
       </pc:sldChg>
       <pc:sldChg chg="addSp delSp modSp add mod delAnim modAnim">
-        <pc:chgData name="Vandrea Foronda" userId="5e2b1f115d26dc63" providerId="LiveId" clId="{75F86F16-2035-4BEC-9A9F-0851A1B1DD5A}" dt="2023-05-04T00:21:08.249" v="1680"/>
+        <pc:chgData name="Vandrea Foronda" userId="5e2b1f115d26dc63" providerId="LiveId" clId="{75F86F16-2035-4BEC-9A9F-0851A1B1DD5A}" dt="2023-05-05T00:13:42.692" v="2854" actId="20577"/>
         <pc:sldMkLst>
           <pc:docMk/>
           <pc:sldMk cId="538783751" sldId="298"/>
         </pc:sldMkLst>
+        <pc:spChg chg="add mod">
+          <ac:chgData name="Vandrea Foronda" userId="5e2b1f115d26dc63" providerId="LiveId" clId="{75F86F16-2035-4BEC-9A9F-0851A1B1DD5A}" dt="2023-05-05T00:12:43.976" v="2829" actId="1076"/>
+          <ac:spMkLst>
+            <pc:docMk/>
+            <pc:sldMk cId="538783751" sldId="298"/>
+            <ac:spMk id="2" creationId="{F02497C8-C232-AA33-3F28-FEA5C5764CFD}"/>
+          </ac:spMkLst>
+        </pc:spChg>
+        <pc:spChg chg="add mod">
+          <ac:chgData name="Vandrea Foronda" userId="5e2b1f115d26dc63" providerId="LiveId" clId="{75F86F16-2035-4BEC-9A9F-0851A1B1DD5A}" dt="2023-05-05T00:13:42.692" v="2854" actId="20577"/>
+          <ac:spMkLst>
+            <pc:docMk/>
+            <pc:sldMk cId="538783751" sldId="298"/>
+            <ac:spMk id="3" creationId="{2BBA326A-E140-8D27-D3B1-810C88282F40}"/>
+          </ac:spMkLst>
+        </pc:spChg>
         <pc:spChg chg="mod">
           <ac:chgData name="Vandrea Foronda" userId="5e2b1f115d26dc63" providerId="LiveId" clId="{75F86F16-2035-4BEC-9A9F-0851A1B1DD5A}" dt="2023-05-04T00:07:04.365" v="1294" actId="20577"/>
           <ac:spMkLst>
@@ -1378,7 +1394,7 @@
           </ac:spMkLst>
         </pc:spChg>
         <pc:spChg chg="mod">
-          <ac:chgData name="Vandrea Foronda" userId="5e2b1f115d26dc63" providerId="LiveId" clId="{75F86F16-2035-4BEC-9A9F-0851A1B1DD5A}" dt="2023-05-04T00:09:21.475" v="1369" actId="1076"/>
+          <ac:chgData name="Vandrea Foronda" userId="5e2b1f115d26dc63" providerId="LiveId" clId="{75F86F16-2035-4BEC-9A9F-0851A1B1DD5A}" dt="2023-05-05T00:12:36.733" v="2825" actId="1076"/>
           <ac:spMkLst>
             <pc:docMk/>
             <pc:sldMk cId="538783751" sldId="298"/>
@@ -1386,7 +1402,7 @@
           </ac:spMkLst>
         </pc:spChg>
         <pc:spChg chg="mod">
-          <ac:chgData name="Vandrea Foronda" userId="5e2b1f115d26dc63" providerId="LiveId" clId="{75F86F16-2035-4BEC-9A9F-0851A1B1DD5A}" dt="2023-05-04T00:09:16.905" v="1368" actId="1036"/>
+          <ac:chgData name="Vandrea Foronda" userId="5e2b1f115d26dc63" providerId="LiveId" clId="{75F86F16-2035-4BEC-9A9F-0851A1B1DD5A}" dt="2023-05-05T00:12:36.733" v="2825" actId="1076"/>
           <ac:spMkLst>
             <pc:docMk/>
             <pc:sldMk cId="538783751" sldId="298"/>
@@ -1394,7 +1410,7 @@
           </ac:spMkLst>
         </pc:spChg>
         <pc:spChg chg="mod">
-          <ac:chgData name="Vandrea Foronda" userId="5e2b1f115d26dc63" providerId="LiveId" clId="{75F86F16-2035-4BEC-9A9F-0851A1B1DD5A}" dt="2023-05-04T00:09:27.406" v="1370" actId="1076"/>
+          <ac:chgData name="Vandrea Foronda" userId="5e2b1f115d26dc63" providerId="LiveId" clId="{75F86F16-2035-4BEC-9A9F-0851A1B1DD5A}" dt="2023-05-05T00:12:36.733" v="2825" actId="1076"/>
           <ac:spMkLst>
             <pc:docMk/>
             <pc:sldMk cId="538783751" sldId="298"/>
@@ -1402,7 +1418,7 @@
           </ac:spMkLst>
         </pc:spChg>
         <pc:spChg chg="mod">
-          <ac:chgData name="Vandrea Foronda" userId="5e2b1f115d26dc63" providerId="LiveId" clId="{75F86F16-2035-4BEC-9A9F-0851A1B1DD5A}" dt="2023-05-04T00:09:31.637" v="1371" actId="1076"/>
+          <ac:chgData name="Vandrea Foronda" userId="5e2b1f115d26dc63" providerId="LiveId" clId="{75F86F16-2035-4BEC-9A9F-0851A1B1DD5A}" dt="2023-05-05T00:12:36.733" v="2825" actId="1076"/>
           <ac:spMkLst>
             <pc:docMk/>
             <pc:sldMk cId="538783751" sldId="298"/>
@@ -1410,7 +1426,7 @@
           </ac:spMkLst>
         </pc:spChg>
         <pc:spChg chg="mod">
-          <ac:chgData name="Vandrea Foronda" userId="5e2b1f115d26dc63" providerId="LiveId" clId="{75F86F16-2035-4BEC-9A9F-0851A1B1DD5A}" dt="2023-05-04T00:07:45.065" v="1325" actId="20577"/>
+          <ac:chgData name="Vandrea Foronda" userId="5e2b1f115d26dc63" providerId="LiveId" clId="{75F86F16-2035-4BEC-9A9F-0851A1B1DD5A}" dt="2023-05-05T00:12:36.733" v="2825" actId="1076"/>
           <ac:spMkLst>
             <pc:docMk/>
             <pc:sldMk cId="538783751" sldId="298"/>
@@ -1418,7 +1434,7 @@
           </ac:spMkLst>
         </pc:spChg>
         <pc:spChg chg="mod">
-          <ac:chgData name="Vandrea Foronda" userId="5e2b1f115d26dc63" providerId="LiveId" clId="{75F86F16-2035-4BEC-9A9F-0851A1B1DD5A}" dt="2023-05-04T00:09:45.530" v="1372" actId="1076"/>
+          <ac:chgData name="Vandrea Foronda" userId="5e2b1f115d26dc63" providerId="LiveId" clId="{75F86F16-2035-4BEC-9A9F-0851A1B1DD5A}" dt="2023-05-05T00:12:36.733" v="2825" actId="1076"/>
           <ac:spMkLst>
             <pc:docMk/>
             <pc:sldMk cId="538783751" sldId="298"/>
@@ -1442,7 +1458,7 @@
           </ac:picMkLst>
         </pc:picChg>
         <pc:picChg chg="add mod modCrop">
-          <ac:chgData name="Vandrea Foronda" userId="5e2b1f115d26dc63" providerId="LiveId" clId="{75F86F16-2035-4BEC-9A9F-0851A1B1DD5A}" dt="2023-05-04T00:08:18.107" v="1341" actId="1076"/>
+          <ac:chgData name="Vandrea Foronda" userId="5e2b1f115d26dc63" providerId="LiveId" clId="{75F86F16-2035-4BEC-9A9F-0851A1B1DD5A}" dt="2023-05-05T00:12:36.733" v="2825" actId="1076"/>
           <ac:picMkLst>
             <pc:docMk/>
             <pc:sldMk cId="538783751" sldId="298"/>
@@ -1450,11 +1466,19 @@
           </ac:picMkLst>
         </pc:picChg>
         <pc:picChg chg="add mod modCrop">
-          <ac:chgData name="Vandrea Foronda" userId="5e2b1f115d26dc63" providerId="LiveId" clId="{75F86F16-2035-4BEC-9A9F-0851A1B1DD5A}" dt="2023-05-04T00:09:05.271" v="1350" actId="1076"/>
+          <ac:chgData name="Vandrea Foronda" userId="5e2b1f115d26dc63" providerId="LiveId" clId="{75F86F16-2035-4BEC-9A9F-0851A1B1DD5A}" dt="2023-05-05T00:12:36.733" v="2825" actId="1076"/>
           <ac:picMkLst>
             <pc:docMk/>
             <pc:sldMk cId="538783751" sldId="298"/>
             <ac:picMk id="6" creationId="{BA4CA2B1-6226-85CD-4FFD-F8FF3E9DC490}"/>
+          </ac:picMkLst>
+        </pc:picChg>
+        <pc:picChg chg="mod">
+          <ac:chgData name="Vandrea Foronda" userId="5e2b1f115d26dc63" providerId="LiveId" clId="{75F86F16-2035-4BEC-9A9F-0851A1B1DD5A}" dt="2023-05-05T00:12:40.957" v="2828" actId="1076"/>
+          <ac:picMkLst>
+            <pc:docMk/>
+            <pc:sldMk cId="538783751" sldId="298"/>
+            <ac:picMk id="1026" creationId="{E88CCAA6-2D12-879E-3D46-F0B0691D7D1B}"/>
           </ac:picMkLst>
         </pc:picChg>
       </pc:sldChg>
@@ -1728,7 +1752,7 @@
           <a:p>
             <a:fld id="{D1E376CC-735B-4762-BF0A-82623AB4DC1A}" type="datetimeFigureOut">
               <a:rPr lang="en-US" smtClean="0"/>
-              <a:t>5/3/2023</a:t>
+              <a:t>5/4/2023</a:t>
             </a:fld>
             <a:endParaRPr lang="en-US"/>
           </a:p>
@@ -2142,7 +2166,7 @@
           <a:p>
             <a:fld id="{C6DE1762-5D38-4158-A6A7-4DC8C1367D07}" type="datetimeFigureOut">
               <a:rPr lang="en-US" smtClean="0"/>
-              <a:t>5/2/2023</a:t>
+              <a:t>5/4/2023</a:t>
             </a:fld>
             <a:endParaRPr lang="en-US"/>
           </a:p>
@@ -2340,7 +2364,7 @@
           <a:p>
             <a:fld id="{C6DE1762-5D38-4158-A6A7-4DC8C1367D07}" type="datetimeFigureOut">
               <a:rPr lang="en-US" smtClean="0"/>
-              <a:t>5/2/2023</a:t>
+              <a:t>5/4/2023</a:t>
             </a:fld>
             <a:endParaRPr lang="en-US"/>
           </a:p>
@@ -2548,7 +2572,7 @@
           <a:p>
             <a:fld id="{C6DE1762-5D38-4158-A6A7-4DC8C1367D07}" type="datetimeFigureOut">
               <a:rPr lang="en-US" smtClean="0"/>
-              <a:t>5/2/2023</a:t>
+              <a:t>5/4/2023</a:t>
             </a:fld>
             <a:endParaRPr lang="en-US"/>
           </a:p>
@@ -2746,7 +2770,7 @@
           <a:p>
             <a:fld id="{C6DE1762-5D38-4158-A6A7-4DC8C1367D07}" type="datetimeFigureOut">
               <a:rPr lang="en-US" smtClean="0"/>
-              <a:t>5/2/2023</a:t>
+              <a:t>5/4/2023</a:t>
             </a:fld>
             <a:endParaRPr lang="en-US"/>
           </a:p>
@@ -3021,7 +3045,7 @@
           <a:p>
             <a:fld id="{C6DE1762-5D38-4158-A6A7-4DC8C1367D07}" type="datetimeFigureOut">
               <a:rPr lang="en-US" smtClean="0"/>
-              <a:t>5/2/2023</a:t>
+              <a:t>5/4/2023</a:t>
             </a:fld>
             <a:endParaRPr lang="en-US"/>
           </a:p>
@@ -3286,7 +3310,7 @@
           <a:p>
             <a:fld id="{C6DE1762-5D38-4158-A6A7-4DC8C1367D07}" type="datetimeFigureOut">
               <a:rPr lang="en-US" smtClean="0"/>
-              <a:t>5/2/2023</a:t>
+              <a:t>5/4/2023</a:t>
             </a:fld>
             <a:endParaRPr lang="en-US"/>
           </a:p>
@@ -3698,7 +3722,7 @@
           <a:p>
             <a:fld id="{C6DE1762-5D38-4158-A6A7-4DC8C1367D07}" type="datetimeFigureOut">
               <a:rPr lang="en-US" smtClean="0"/>
-              <a:t>5/2/2023</a:t>
+              <a:t>5/4/2023</a:t>
             </a:fld>
             <a:endParaRPr lang="en-US"/>
           </a:p>
@@ -3839,7 +3863,7 @@
           <a:p>
             <a:fld id="{C6DE1762-5D38-4158-A6A7-4DC8C1367D07}" type="datetimeFigureOut">
               <a:rPr lang="en-US" smtClean="0"/>
-              <a:t>5/2/2023</a:t>
+              <a:t>5/4/2023</a:t>
             </a:fld>
             <a:endParaRPr lang="en-US"/>
           </a:p>
@@ -3952,7 +3976,7 @@
           <a:p>
             <a:fld id="{C6DE1762-5D38-4158-A6A7-4DC8C1367D07}" type="datetimeFigureOut">
               <a:rPr lang="en-US" smtClean="0"/>
-              <a:t>5/2/2023</a:t>
+              <a:t>5/4/2023</a:t>
             </a:fld>
             <a:endParaRPr lang="en-US"/>
           </a:p>
@@ -4263,7 +4287,7 @@
           <a:p>
             <a:fld id="{C6DE1762-5D38-4158-A6A7-4DC8C1367D07}" type="datetimeFigureOut">
               <a:rPr lang="en-US" smtClean="0"/>
-              <a:t>5/2/2023</a:t>
+              <a:t>5/4/2023</a:t>
             </a:fld>
             <a:endParaRPr lang="en-US"/>
           </a:p>
@@ -4551,7 +4575,7 @@
           <a:p>
             <a:fld id="{C6DE1762-5D38-4158-A6A7-4DC8C1367D07}" type="datetimeFigureOut">
               <a:rPr lang="en-US" smtClean="0"/>
-              <a:t>5/2/2023</a:t>
+              <a:t>5/4/2023</a:t>
             </a:fld>
             <a:endParaRPr lang="en-US"/>
           </a:p>
@@ -4792,7 +4816,7 @@
           <a:p>
             <a:fld id="{C6DE1762-5D38-4158-A6A7-4DC8C1367D07}" type="datetimeFigureOut">
               <a:rPr lang="en-US" smtClean="0"/>
-              <a:t>5/2/2023</a:t>
+              <a:t>5/4/2023</a:t>
             </a:fld>
             <a:endParaRPr lang="en-US"/>
           </a:p>
@@ -5701,13 +5725,13 @@
   <p:clrMapOvr>
     <a:masterClrMapping/>
   </p:clrMapOvr>
-  <mc:AlternateContent xmlns:mc="http://schemas.openxmlformats.org/markup-compatibility/2006">
-    <mc:Choice xmlns:p159="http://schemas.microsoft.com/office/powerpoint/2015/09/main" Requires="p159">
+  <mc:AlternateContent xmlns:mc="http://schemas.openxmlformats.org/markup-compatibility/2006" xmlns:p159="http://schemas.microsoft.com/office/powerpoint/2015/09/main">
+    <mc:Choice Requires="p159">
       <p:transition xmlns:p14="http://schemas.microsoft.com/office/powerpoint/2010/main" spd="slow" p14:dur="2000">
         <p159:morph option="byObject"/>
       </p:transition>
     </mc:Choice>
-    <mc:Fallback>
+    <mc:Fallback xmlns="">
       <p:transition spd="slow">
         <p:fade/>
       </p:transition>
@@ -9722,7 +9746,7 @@
                 </a:highlight>
                 <a:latin typeface="Britannic Bold" panose="020B0903060703020204" pitchFamily="34" charset="0"/>
               </a:rPr>
-              <a:t>P-value = 0.00</a:t>
+              <a:t>P-value = 0.001</a:t>
             </a:r>
             <a:endParaRPr lang="en-US" sz="1400" dirty="0">
               <a:highlight>
@@ -10705,7 +10729,7 @@
                 </a:highlight>
                 <a:latin typeface="Britannic Bold" panose="020B0903060703020204" pitchFamily="34" charset="0"/>
               </a:rPr>
-              <a:t>P-value = 0.00</a:t>
+              <a:t>P-value = 0.001</a:t>
             </a:r>
             <a:endParaRPr lang="en-US" sz="1400" dirty="0">
               <a:highlight>
@@ -10763,7 +10787,7 @@
                 </a:highlight>
                 <a:latin typeface="Britannic Bold" panose="020B0903060703020204" pitchFamily="34" charset="0"/>
               </a:rPr>
-              <a:t>P-value = 0.00</a:t>
+              <a:t>P-value = 0.001</a:t>
             </a:r>
             <a:endParaRPr lang="en-US" sz="1400" dirty="0">
               <a:highlight>
@@ -13482,7 +13506,7 @@
         </p:blipFill>
         <p:spPr bwMode="auto">
           <a:xfrm>
-            <a:off x="0" y="-191501"/>
+            <a:off x="0" y="-203454"/>
             <a:ext cx="12210708" cy="8168717"/>
           </a:xfrm>
           <a:prstGeom prst="rect">
@@ -13600,7 +13624,7 @@
         </p:nvSpPr>
         <p:spPr>
           <a:xfrm>
-            <a:off x="1483488" y="1750935"/>
+            <a:off x="1614970" y="1236958"/>
             <a:ext cx="2787943" cy="369332"/>
           </a:xfrm>
           <a:prstGeom prst="rect">
@@ -13640,7 +13664,7 @@
         </p:nvSpPr>
         <p:spPr>
           <a:xfrm>
-            <a:off x="6788186" y="1750935"/>
+            <a:off x="6919668" y="1236958"/>
             <a:ext cx="4063933" cy="369332"/>
           </a:xfrm>
           <a:prstGeom prst="rect">
@@ -13680,7 +13704,7 @@
         </p:nvSpPr>
         <p:spPr>
           <a:xfrm>
-            <a:off x="2099842" y="5401810"/>
+            <a:off x="2231324" y="4887833"/>
             <a:ext cx="1555234" cy="307777"/>
           </a:xfrm>
           <a:prstGeom prst="rect">
@@ -13725,7 +13749,7 @@
         </p:nvSpPr>
         <p:spPr>
           <a:xfrm>
-            <a:off x="7539856" y="5407030"/>
+            <a:off x="7671338" y="4893053"/>
             <a:ext cx="2552302" cy="307777"/>
           </a:xfrm>
           <a:prstGeom prst="rect">
@@ -13770,7 +13794,7 @@
         </p:nvSpPr>
         <p:spPr>
           <a:xfrm rot="16200000">
-            <a:off x="445353" y="3622829"/>
+            <a:off x="576835" y="3108852"/>
             <a:ext cx="570990" cy="307777"/>
           </a:xfrm>
           <a:prstGeom prst="rect">
@@ -13815,7 +13839,7 @@
         </p:nvSpPr>
         <p:spPr>
           <a:xfrm rot="16200000">
-            <a:off x="6348803" y="3603973"/>
+            <a:off x="6480285" y="3089996"/>
             <a:ext cx="570990" cy="307777"/>
           </a:xfrm>
           <a:prstGeom prst="rect">
@@ -13873,7 +13897,7 @@
         </p:blipFill>
         <p:spPr>
           <a:xfrm>
-            <a:off x="913020" y="2173958"/>
+            <a:off x="1044502" y="1659981"/>
             <a:ext cx="3928880" cy="3174161"/>
           </a:xfrm>
           <a:prstGeom prst="rect">
@@ -13908,7 +13932,7 @@
         </p:blipFill>
         <p:spPr>
           <a:xfrm>
-            <a:off x="6855713" y="2167605"/>
+            <a:off x="6987195" y="1653628"/>
             <a:ext cx="3928881" cy="3180514"/>
           </a:xfrm>
           <a:prstGeom prst="rect">
@@ -13916,6 +13940,242 @@
           </a:prstGeom>
         </p:spPr>
       </p:pic>
+      <p:sp>
+        <p:nvSpPr>
+          <p:cNvPr id="2" name="TextBox 1">
+            <a:extLst>
+              <a:ext uri="{FF2B5EF4-FFF2-40B4-BE49-F238E27FC236}">
+                <a16:creationId xmlns:a16="http://schemas.microsoft.com/office/drawing/2014/main" id="{F02497C8-C232-AA33-3F28-FEA5C5764CFD}"/>
+              </a:ext>
+            </a:extLst>
+          </p:cNvPr>
+          <p:cNvSpPr txBox="1"/>
+          <p:nvPr/>
+        </p:nvSpPr>
+        <p:spPr>
+          <a:xfrm>
+            <a:off x="2095069" y="5195610"/>
+            <a:ext cx="1827743" cy="1384995"/>
+          </a:xfrm>
+          <a:prstGeom prst="rect">
+            <a:avLst/>
+          </a:prstGeom>
+          <a:noFill/>
+        </p:spPr>
+        <p:txBody>
+          <a:bodyPr wrap="none" rtlCol="0">
+            <a:spAutoFit/>
+          </a:bodyPr>
+          <a:lstStyle/>
+          <a:p>
+            <a:pPr algn="ctr"/>
+            <a:r>
+              <a:rPr lang="en-US" sz="1200" dirty="0">
+                <a:highlight>
+                  <a:srgbClr val="C0C0C0"/>
+                </a:highlight>
+                <a:latin typeface="Britannic Bold" panose="020B0903060703020204" pitchFamily="34" charset="0"/>
+              </a:rPr>
+              <a:t>Correlation</a:t>
+            </a:r>
+          </a:p>
+          <a:p>
+            <a:pPr algn="ctr"/>
+            <a:r>
+              <a:rPr lang="en-US" sz="1200" dirty="0">
+                <a:highlight>
+                  <a:srgbClr val="C0C0C0"/>
+                </a:highlight>
+                <a:latin typeface="Britannic Bold" panose="020B0903060703020204" pitchFamily="34" charset="0"/>
+              </a:rPr>
+              <a:t>% White: -0.48</a:t>
+            </a:r>
+          </a:p>
+          <a:p>
+            <a:pPr algn="ctr"/>
+            <a:r>
+              <a:rPr lang="en-US" sz="1200" dirty="0">
+                <a:highlight>
+                  <a:srgbClr val="C0C0C0"/>
+                </a:highlight>
+                <a:latin typeface="Britannic Bold" panose="020B0903060703020204" pitchFamily="34" charset="0"/>
+              </a:rPr>
+              <a:t>% Black: 0.59</a:t>
+            </a:r>
+          </a:p>
+          <a:p>
+            <a:pPr algn="ctr"/>
+            <a:r>
+              <a:rPr lang="en-US" sz="1200" dirty="0">
+                <a:highlight>
+                  <a:srgbClr val="C0C0C0"/>
+                </a:highlight>
+                <a:latin typeface="Britannic Bold" panose="020B0903060703020204" pitchFamily="34" charset="0"/>
+              </a:rPr>
+              <a:t>% Hispanic: 0.12</a:t>
+            </a:r>
+          </a:p>
+          <a:p>
+            <a:pPr algn="ctr"/>
+            <a:r>
+              <a:rPr lang="en-US" sz="1200" dirty="0">
+                <a:highlight>
+                  <a:srgbClr val="C0C0C0"/>
+                </a:highlight>
+                <a:latin typeface="Britannic Bold" panose="020B0903060703020204" pitchFamily="34" charset="0"/>
+              </a:rPr>
+              <a:t>% Asian: 0.50</a:t>
+            </a:r>
+          </a:p>
+          <a:p>
+            <a:pPr algn="ctr"/>
+            <a:r>
+              <a:rPr lang="en-US" sz="1200" dirty="0">
+                <a:highlight>
+                  <a:srgbClr val="C0C0C0"/>
+                </a:highlight>
+                <a:latin typeface="Britannic Bold" panose="020B0903060703020204" pitchFamily="34" charset="0"/>
+              </a:rPr>
+              <a:t>% Native American: -0.5</a:t>
+            </a:r>
+          </a:p>
+          <a:p>
+            <a:pPr algn="ctr"/>
+            <a:r>
+              <a:rPr lang="en-US" sz="1200" dirty="0">
+                <a:highlight>
+                  <a:srgbClr val="C0C0C0"/>
+                </a:highlight>
+                <a:latin typeface="Britannic Bold" panose="020B0903060703020204" pitchFamily="34" charset="0"/>
+              </a:rPr>
+              <a:t>% Pacific Islander: 0.45</a:t>
+            </a:r>
+            <a:endParaRPr lang="en-US" sz="1200" dirty="0">
+              <a:highlight>
+                <a:srgbClr val="C0C0C0"/>
+              </a:highlight>
+            </a:endParaRPr>
+          </a:p>
+        </p:txBody>
+      </p:sp>
+      <p:sp>
+        <p:nvSpPr>
+          <p:cNvPr id="3" name="TextBox 2">
+            <a:extLst>
+              <a:ext uri="{FF2B5EF4-FFF2-40B4-BE49-F238E27FC236}">
+                <a16:creationId xmlns:a16="http://schemas.microsoft.com/office/drawing/2014/main" id="{2BBA326A-E140-8D27-D3B1-810C88282F40}"/>
+              </a:ext>
+            </a:extLst>
+          </p:cNvPr>
+          <p:cNvSpPr txBox="1"/>
+          <p:nvPr/>
+        </p:nvSpPr>
+        <p:spPr>
+          <a:xfrm>
+            <a:off x="7997549" y="5181611"/>
+            <a:ext cx="1899880" cy="1384995"/>
+          </a:xfrm>
+          <a:prstGeom prst="rect">
+            <a:avLst/>
+          </a:prstGeom>
+          <a:noFill/>
+        </p:spPr>
+        <p:txBody>
+          <a:bodyPr wrap="none" rtlCol="0">
+            <a:spAutoFit/>
+          </a:bodyPr>
+          <a:lstStyle/>
+          <a:p>
+            <a:pPr algn="ctr"/>
+            <a:r>
+              <a:rPr lang="en-US" sz="1200" dirty="0">
+                <a:highlight>
+                  <a:srgbClr val="C0C0C0"/>
+                </a:highlight>
+                <a:latin typeface="Britannic Bold" panose="020B0903060703020204" pitchFamily="34" charset="0"/>
+              </a:rPr>
+              <a:t>Correlation</a:t>
+            </a:r>
+          </a:p>
+          <a:p>
+            <a:pPr algn="ctr"/>
+            <a:r>
+              <a:rPr lang="en-US" sz="1200" dirty="0">
+                <a:highlight>
+                  <a:srgbClr val="C0C0C0"/>
+                </a:highlight>
+                <a:latin typeface="Britannic Bold" panose="020B0903060703020204" pitchFamily="34" charset="0"/>
+              </a:rPr>
+              <a:t>% White: -0.59</a:t>
+            </a:r>
+          </a:p>
+          <a:p>
+            <a:pPr algn="ctr"/>
+            <a:r>
+              <a:rPr lang="en-US" sz="1200" dirty="0">
+                <a:highlight>
+                  <a:srgbClr val="C0C0C0"/>
+                </a:highlight>
+                <a:latin typeface="Britannic Bold" panose="020B0903060703020204" pitchFamily="34" charset="0"/>
+              </a:rPr>
+              <a:t>% Black: 0.43</a:t>
+            </a:r>
+          </a:p>
+          <a:p>
+            <a:pPr algn="ctr"/>
+            <a:r>
+              <a:rPr lang="en-US" sz="1200" dirty="0">
+                <a:highlight>
+                  <a:srgbClr val="C0C0C0"/>
+                </a:highlight>
+                <a:latin typeface="Britannic Bold" panose="020B0903060703020204" pitchFamily="34" charset="0"/>
+              </a:rPr>
+              <a:t>% Hispanic: 0.48</a:t>
+            </a:r>
+          </a:p>
+          <a:p>
+            <a:pPr algn="ctr"/>
+            <a:r>
+              <a:rPr lang="en-US" sz="1200" dirty="0">
+                <a:highlight>
+                  <a:srgbClr val="C0C0C0"/>
+                </a:highlight>
+                <a:latin typeface="Britannic Bold" panose="020B0903060703020204" pitchFamily="34" charset="0"/>
+              </a:rPr>
+              <a:t>% Asian: 0.19</a:t>
+            </a:r>
+          </a:p>
+          <a:p>
+            <a:pPr algn="ctr"/>
+            <a:r>
+              <a:rPr lang="en-US" sz="1200" dirty="0">
+                <a:highlight>
+                  <a:srgbClr val="C0C0C0"/>
+                </a:highlight>
+                <a:latin typeface="Britannic Bold" panose="020B0903060703020204" pitchFamily="34" charset="0"/>
+              </a:rPr>
+              <a:t>% Native American: -0.33</a:t>
+            </a:r>
+          </a:p>
+          <a:p>
+            <a:pPr algn="ctr"/>
+            <a:r>
+              <a:rPr lang="en-US" sz="1200" dirty="0">
+                <a:highlight>
+                  <a:srgbClr val="C0C0C0"/>
+                </a:highlight>
+                <a:latin typeface="Britannic Bold" panose="020B0903060703020204" pitchFamily="34" charset="0"/>
+              </a:rPr>
+              <a:t>% Pacific Islander: 0.20</a:t>
+            </a:r>
+            <a:endParaRPr lang="en-US" sz="1200" dirty="0">
+              <a:highlight>
+                <a:srgbClr val="C0C0C0"/>
+              </a:highlight>
+            </a:endParaRPr>
+          </a:p>
+        </p:txBody>
+      </p:sp>
     </p:spTree>
     <p:extLst>
       <p:ext uri="{BB962C8B-B14F-4D97-AF65-F5344CB8AC3E}">
@@ -14264,6 +14524,76 @@
                                   </p:childTnLst>
                                 </p:cTn>
                               </p:par>
+                              <p:par>
+                                <p:cTn id="32" presetID="10" presetClass="entr" presetSubtype="0" fill="hold" grpId="0" nodeType="withEffect">
+                                  <p:stCondLst>
+                                    <p:cond delay="0"/>
+                                  </p:stCondLst>
+                                  <p:childTnLst>
+                                    <p:set>
+                                      <p:cBhvr>
+                                        <p:cTn id="33" dur="1" fill="hold">
+                                          <p:stCondLst>
+                                            <p:cond delay="0"/>
+                                          </p:stCondLst>
+                                        </p:cTn>
+                                        <p:tgtEl>
+                                          <p:spTgt spid="2"/>
+                                        </p:tgtEl>
+                                        <p:attrNameLst>
+                                          <p:attrName>style.visibility</p:attrName>
+                                        </p:attrNameLst>
+                                      </p:cBhvr>
+                                      <p:to>
+                                        <p:strVal val="visible"/>
+                                      </p:to>
+                                    </p:set>
+                                    <p:animEffect transition="in" filter="fade">
+                                      <p:cBhvr>
+                                        <p:cTn id="34" dur="500"/>
+                                        <p:tgtEl>
+                                          <p:spTgt spid="2"/>
+                                        </p:tgtEl>
+                                      </p:cBhvr>
+                                    </p:animEffect>
+                                  </p:childTnLst>
+                                </p:cTn>
+                              </p:par>
+                              <p:par>
+                                <p:cTn id="35" presetID="10" presetClass="entr" presetSubtype="0" fill="hold" grpId="0" nodeType="withEffect">
+                                  <p:stCondLst>
+                                    <p:cond delay="0"/>
+                                  </p:stCondLst>
+                                  <p:childTnLst>
+                                    <p:set>
+                                      <p:cBhvr>
+                                        <p:cTn id="36" dur="1" fill="hold">
+                                          <p:stCondLst>
+                                            <p:cond delay="0"/>
+                                          </p:stCondLst>
+                                        </p:cTn>
+                                        <p:tgtEl>
+                                          <p:spTgt spid="3"/>
+                                        </p:tgtEl>
+                                        <p:attrNameLst>
+                                          <p:attrName>style.visibility</p:attrName>
+                                        </p:attrNameLst>
+                                      </p:cBhvr>
+                                      <p:to>
+                                        <p:strVal val="visible"/>
+                                      </p:to>
+                                    </p:set>
+                                    <p:animEffect transition="in" filter="fade">
+                                      <p:cBhvr>
+                                        <p:cTn id="37" dur="500"/>
+                                        <p:tgtEl>
+                                          <p:spTgt spid="3"/>
+                                        </p:tgtEl>
+                                      </p:cBhvr>
+                                    </p:animEffect>
+                                  </p:childTnLst>
+                                </p:cTn>
+                              </p:par>
                             </p:childTnLst>
                           </p:cTn>
                         </p:par>
@@ -14299,6 +14629,8 @@
       <p:bldP spid="10" grpId="0"/>
       <p:bldP spid="11" grpId="0"/>
       <p:bldP spid="12" grpId="0"/>
+      <p:bldP spid="2" grpId="0"/>
+      <p:bldP spid="3" grpId="0"/>
     </p:bldLst>
   </p:timing>
 </p:sld>
@@ -16248,13 +16580,13 @@
   <p:clrMapOvr>
     <a:masterClrMapping/>
   </p:clrMapOvr>
-  <mc:AlternateContent xmlns:mc="http://schemas.openxmlformats.org/markup-compatibility/2006">
-    <mc:Choice xmlns:p159="http://schemas.microsoft.com/office/powerpoint/2015/09/main" Requires="p159">
+  <mc:AlternateContent xmlns:mc="http://schemas.openxmlformats.org/markup-compatibility/2006" xmlns:p159="http://schemas.microsoft.com/office/powerpoint/2015/09/main">
+    <mc:Choice Requires="p159">
       <p:transition xmlns:p14="http://schemas.microsoft.com/office/powerpoint/2010/main" spd="slow" p14:dur="2000">
         <p159:morph option="byObject"/>
       </p:transition>
     </mc:Choice>
-    <mc:Fallback>
+    <mc:Fallback xmlns="">
       <p:transition spd="slow">
         <p:fade/>
       </p:transition>
@@ -16544,13 +16876,13 @@
   <p:clrMapOvr>
     <a:masterClrMapping/>
   </p:clrMapOvr>
-  <mc:AlternateContent xmlns:mc="http://schemas.openxmlformats.org/markup-compatibility/2006">
-    <mc:Choice xmlns:p159="http://schemas.microsoft.com/office/powerpoint/2015/09/main" Requires="p159">
+  <mc:AlternateContent xmlns:mc="http://schemas.openxmlformats.org/markup-compatibility/2006" xmlns:p159="http://schemas.microsoft.com/office/powerpoint/2015/09/main">
+    <mc:Choice Requires="p159">
       <p:transition xmlns:p14="http://schemas.microsoft.com/office/powerpoint/2010/main" spd="slow" p14:dur="2000">
         <p159:morph option="byObject"/>
       </p:transition>
     </mc:Choice>
-    <mc:Fallback>
+    <mc:Fallback xmlns="">
       <p:transition spd="slow">
         <p:fade/>
       </p:transition>
@@ -16839,13 +17171,13 @@
   <p:clrMapOvr>
     <a:masterClrMapping/>
   </p:clrMapOvr>
-  <mc:AlternateContent xmlns:mc="http://schemas.openxmlformats.org/markup-compatibility/2006">
-    <mc:Choice xmlns:p159="http://schemas.microsoft.com/office/powerpoint/2015/09/main" Requires="p159">
+  <mc:AlternateContent xmlns:mc="http://schemas.openxmlformats.org/markup-compatibility/2006" xmlns:p159="http://schemas.microsoft.com/office/powerpoint/2015/09/main">
+    <mc:Choice Requires="p159">
       <p:transition xmlns:p14="http://schemas.microsoft.com/office/powerpoint/2010/main" spd="slow" p14:dur="2000">
         <p159:morph option="byObject"/>
       </p:transition>
     </mc:Choice>
-    <mc:Fallback>
+    <mc:Fallback xmlns="">
       <p:transition spd="slow">
         <p:fade/>
       </p:transition>
@@ -17062,13 +17394,13 @@
   <p:clrMapOvr>
     <a:masterClrMapping/>
   </p:clrMapOvr>
-  <mc:AlternateContent xmlns:mc="http://schemas.openxmlformats.org/markup-compatibility/2006">
-    <mc:Choice xmlns:p159="http://schemas.microsoft.com/office/powerpoint/2015/09/main" Requires="p159">
+  <mc:AlternateContent xmlns:mc="http://schemas.openxmlformats.org/markup-compatibility/2006" xmlns:p159="http://schemas.microsoft.com/office/powerpoint/2015/09/main">
+    <mc:Choice Requires="p159">
       <p:transition xmlns:p14="http://schemas.microsoft.com/office/powerpoint/2010/main" spd="slow" p14:dur="2000">
         <p159:morph option="byObject"/>
       </p:transition>
     </mc:Choice>
-    <mc:Fallback>
+    <mc:Fallback xmlns="">
       <p:transition spd="slow">
         <p:fade/>
       </p:transition>
@@ -17285,13 +17617,13 @@
   <p:clrMapOvr>
     <a:masterClrMapping/>
   </p:clrMapOvr>
-  <mc:AlternateContent xmlns:mc="http://schemas.openxmlformats.org/markup-compatibility/2006">
-    <mc:Choice xmlns:p159="http://schemas.microsoft.com/office/powerpoint/2015/09/main" Requires="p159">
+  <mc:AlternateContent xmlns:mc="http://schemas.openxmlformats.org/markup-compatibility/2006" xmlns:p159="http://schemas.microsoft.com/office/powerpoint/2015/09/main">
+    <mc:Choice Requires="p159">
       <p:transition xmlns:p14="http://schemas.microsoft.com/office/powerpoint/2010/main" spd="slow" p14:dur="2000">
         <p159:morph option="byObject"/>
       </p:transition>
     </mc:Choice>
-    <mc:Fallback>
+    <mc:Fallback xmlns="">
       <p:transition spd="slow">
         <p:fade/>
       </p:transition>
@@ -17508,13 +17840,13 @@
   <p:clrMapOvr>
     <a:masterClrMapping/>
   </p:clrMapOvr>
-  <mc:AlternateContent xmlns:mc="http://schemas.openxmlformats.org/markup-compatibility/2006">
-    <mc:Choice xmlns:p159="http://schemas.microsoft.com/office/powerpoint/2015/09/main" Requires="p159">
+  <mc:AlternateContent xmlns:mc="http://schemas.openxmlformats.org/markup-compatibility/2006" xmlns:p159="http://schemas.microsoft.com/office/powerpoint/2015/09/main">
+    <mc:Choice Requires="p159">
       <p:transition xmlns:p14="http://schemas.microsoft.com/office/powerpoint/2010/main" spd="slow" p14:dur="2000">
         <p159:morph option="byObject"/>
       </p:transition>
     </mc:Choice>
-    <mc:Fallback>
+    <mc:Fallback xmlns="">
       <p:transition spd="slow">
         <p:fade/>
       </p:transition>
@@ -17731,13 +18063,13 @@
   <p:clrMapOvr>
     <a:masterClrMapping/>
   </p:clrMapOvr>
-  <mc:AlternateContent xmlns:mc="http://schemas.openxmlformats.org/markup-compatibility/2006">
-    <mc:Choice xmlns:p159="http://schemas.microsoft.com/office/powerpoint/2015/09/main" Requires="p159">
+  <mc:AlternateContent xmlns:mc="http://schemas.openxmlformats.org/markup-compatibility/2006" xmlns:p159="http://schemas.microsoft.com/office/powerpoint/2015/09/main">
+    <mc:Choice Requires="p159">
       <p:transition xmlns:p14="http://schemas.microsoft.com/office/powerpoint/2010/main" spd="slow" p14:dur="2000">
         <p159:morph option="byObject"/>
       </p:transition>
     </mc:Choice>
-    <mc:Fallback>
+    <mc:Fallback xmlns="">
       <p:transition spd="slow">
         <p:fade/>
       </p:transition>
